--- a/cmsc125/ostep/slides/02.Concurrency/31.Semaphore.pptx
+++ b/cmsc125/ostep/slides/02.Concurrency/31.Semaphore.pptx
@@ -268,7 +268,7 @@
           <a:p>
             <a:fld id="{050F0499-AE52-4672-879B-3107B2FC2A9F}" type="datetimeFigureOut">
               <a:rPr lang="ko-KR" altLang="en-US" smtClean="0"/>
-              <a:t>2021-07-21</a:t>
+              <a:t>2021-12-24</a:t>
             </a:fld>
             <a:endParaRPr lang="ko-KR" altLang="en-US"/>
           </a:p>
@@ -6203,10 +6203,7 @@
               <a:rPr lang="en-US" altLang="ko-KR" b="1" dirty="0"/>
               <a:t>0</a:t>
             </a:r>
-            <a:r>
-              <a:rPr lang="en-US" altLang="ko-KR" dirty="0"/>
-              <a:t>.</a:t>
-            </a:r>
+            <a:endParaRPr lang="en-US" altLang="ko-KR" dirty="0"/>
           </a:p>
         </p:txBody>
       </p:sp>
@@ -7274,10 +7271,6 @@
                 <a:cs typeface="Courier New" panose="02070309020205020404" pitchFamily="49" charset="0"/>
               </a:rPr>
               <a:t>()</a:t>
-            </a:r>
-            <a:r>
-              <a:rPr lang="en-US" altLang="ko-KR" dirty="0"/>
-              <a:t>.</a:t>
             </a:r>
             <a:endParaRPr lang="ko-KR" altLang="en-US" dirty="0"/>
           </a:p>
@@ -10113,10 +10106,6 @@
                 <a:cs typeface="Courier New" panose="02070309020205020404" pitchFamily="49" charset="0"/>
               </a:rPr>
               <a:t>()</a:t>
-            </a:r>
-            <a:r>
-              <a:rPr lang="en-US" altLang="ko-KR" dirty="0"/>
-              <a:t>.</a:t>
             </a:r>
             <a:endParaRPr lang="ko-KR" altLang="en-US" dirty="0"/>
           </a:p>
@@ -13090,7 +13079,7 @@
             </a:r>
             <a:r>
               <a:rPr lang="en-US" altLang="ko-KR" dirty="0"/>
-              <a:t> in order to put data into it.</a:t>
+              <a:t> in order to put data into it</a:t>
             </a:r>
           </a:p>
           <a:p>
@@ -13126,7 +13115,7 @@
             </a:r>
             <a:r>
               <a:rPr lang="en-US" altLang="ko-KR" dirty="0"/>
-              <a:t> before using it.</a:t>
+              <a:t> before using it</a:t>
             </a:r>
           </a:p>
         </p:txBody>
@@ -14839,7 +14828,7 @@
             </a:r>
             <a:r>
               <a:rPr lang="en-US" altLang="ko-KR" dirty="0"/>
-              <a:t> is greater than 1 .</a:t>
+              <a:t> is greater than 1 </a:t>
             </a:r>
           </a:p>
           <a:p>
@@ -14875,7 +14864,7 @@
             <a:pPr lvl="2"/>
             <a:r>
               <a:rPr lang="en-US" altLang="ko-KR" dirty="0"/>
-              <a:t>It means that the old data there is overwritten.</a:t>
+              <a:t>It means that the old data there is overwritten</a:t>
             </a:r>
           </a:p>
           <a:p>
@@ -14886,16 +14875,13 @@
             <a:pPr lvl="1"/>
             <a:r>
               <a:rPr lang="en-US" altLang="ko-KR" dirty="0"/>
-              <a:t>We’ve forgotten here is </a:t>
+              <a:t>What we’ve forgotten here is </a:t>
             </a:r>
             <a:r>
               <a:rPr lang="en-US" altLang="ko-KR" b="1" dirty="0"/>
               <a:t>mutual exclusion</a:t>
             </a:r>
-            <a:r>
-              <a:rPr lang="en-US" altLang="ko-KR" dirty="0"/>
-              <a:t>.</a:t>
-            </a:r>
+            <a:endParaRPr lang="en-US" altLang="ko-KR" dirty="0"/>
           </a:p>
           <a:p>
             <a:pPr lvl="2"/>
@@ -14913,10 +14899,7 @@
               </a:rPr>
               <a:t>critical section</a:t>
             </a:r>
-            <a:r>
-              <a:rPr lang="en-US" altLang="ko-KR" dirty="0"/>
-              <a:t>.</a:t>
-            </a:r>
+            <a:endParaRPr lang="en-US" altLang="ko-KR" dirty="0"/>
           </a:p>
           <a:p>
             <a:pPr lvl="2"/>
@@ -16917,7 +16900,7 @@
           <a:p>
             <a:r>
               <a:rPr lang="en-US" altLang="ko-KR" dirty="0"/>
-              <a:t>Imagine two thread: one producer and one consumer.</a:t>
+              <a:t>Imagine two thread: one producer and one consumer</a:t>
             </a:r>
           </a:p>
           <a:p>
@@ -16935,7 +16918,7 @@
               <a:t> the </a:t>
             </a:r>
             <a:r>
-              <a:rPr lang="en-US" altLang="ko-KR" dirty="0" err="1">
+              <a:rPr lang="en-US" altLang="ko-KR" dirty="0">
                 <a:latin typeface="Courier New" panose="02070309020205020404" pitchFamily="49" charset="0"/>
                 <a:cs typeface="Courier New" panose="02070309020205020404" pitchFamily="49" charset="0"/>
               </a:rPr>
@@ -16943,7 +16926,7 @@
             </a:r>
             <a:r>
               <a:rPr lang="en-US" altLang="ko-KR" dirty="0"/>
-              <a:t> (line c0).</a:t>
+              <a:t> (line c0)</a:t>
             </a:r>
           </a:p>
           <a:p>
@@ -16976,7 +16959,7 @@
             </a:r>
             <a:r>
               <a:rPr lang="en-US" altLang="ko-KR" dirty="0"/>
-              <a:t>on the full semaphore (line c1).</a:t>
+              <a:t>on the full semaphore (line c1)</a:t>
             </a:r>
           </a:p>
           <a:p>
@@ -17009,7 +16992,7 @@
               <a:rPr lang="en-US" altLang="ko-KR" dirty="0">
                 <a:sym typeface="Wingdings" panose="05000000000000000000" pitchFamily="2" charset="2"/>
               </a:rPr>
-              <a:t> the CPU.</a:t>
+              <a:t> the CPU</a:t>
             </a:r>
           </a:p>
           <a:p>
@@ -17082,7 +17065,7 @@
               <a:t> on the binary </a:t>
             </a:r>
             <a:r>
-              <a:rPr lang="en-US" altLang="ko-KR" dirty="0" err="1">
+              <a:rPr lang="en-US" altLang="ko-KR" dirty="0">
                 <a:latin typeface="Courier New" panose="02070309020205020404" pitchFamily="49" charset="0"/>
                 <a:cs typeface="Courier New" panose="02070309020205020404" pitchFamily="49" charset="0"/>
                 <a:sym typeface="Wingdings" panose="05000000000000000000" pitchFamily="2" charset="2"/>
@@ -17093,7 +17076,7 @@
               <a:rPr lang="en-US" altLang="ko-KR" dirty="0">
                 <a:sym typeface="Wingdings" panose="05000000000000000000" pitchFamily="2" charset="2"/>
               </a:rPr>
-              <a:t> semaphore (line p0).</a:t>
+              <a:t> semaphore (line p0)</a:t>
             </a:r>
           </a:p>
           <a:p>
@@ -17126,12 +17109,6 @@
                 <a:sym typeface="Wingdings" panose="05000000000000000000" pitchFamily="2" charset="2"/>
               </a:rPr>
               <a:t>a classic deadlock</a:t>
-            </a:r>
-            <a:r>
-              <a:rPr lang="en-US" altLang="ko-KR" dirty="0">
-                <a:sym typeface="Wingdings" panose="05000000000000000000" pitchFamily="2" charset="2"/>
-              </a:rPr>
-              <a:t>.</a:t>
             </a:r>
             <a:endParaRPr lang="en-US" altLang="ko-KR" dirty="0"/>
           </a:p>
@@ -19297,10 +19274,7 @@
               <a:rPr lang="en-US" altLang="ko-KR" b="1" dirty="0"/>
               <a:t>lookups</a:t>
             </a:r>
-            <a:r>
-              <a:rPr lang="en-US" altLang="ko-KR" dirty="0"/>
-              <a:t>.</a:t>
-            </a:r>
+            <a:endParaRPr lang="en-US" altLang="ko-KR" dirty="0"/>
           </a:p>
           <a:p>
             <a:pPr lvl="1"/>
@@ -19328,7 +19302,7 @@
             </a:r>
             <a:r>
               <a:rPr lang="en-US" altLang="ko-KR" dirty="0"/>
-              <a:t> makes sense.</a:t>
+              <a:t> makes sense</a:t>
             </a:r>
           </a:p>
           <a:p>
@@ -19350,7 +19324,7 @@
             </a:r>
             <a:r>
               <a:rPr lang="en-US" altLang="ko-KR" dirty="0"/>
-              <a:t> the data structure.</a:t>
+              <a:t> the data structure</a:t>
             </a:r>
           </a:p>
           <a:p>
@@ -19369,10 +19343,7 @@
               </a:rPr>
               <a:t>concurrently</a:t>
             </a:r>
-            <a:r>
-              <a:rPr lang="en-US" altLang="ko-KR" dirty="0"/>
-              <a:t>.</a:t>
-            </a:r>
+            <a:endParaRPr lang="en-US" altLang="ko-KR" dirty="0"/>
           </a:p>
           <a:p>
             <a:pPr lvl="2"/>
@@ -19541,7 +19512,7 @@
             </a:r>
             <a:r>
               <a:rPr lang="en-US" altLang="ko-KR" dirty="0"/>
-              <a:t>can acquire the lock.</a:t>
+              <a:t>can acquire the lock</a:t>
             </a:r>
           </a:p>
           <a:p>
@@ -19561,7 +19532,7 @@
             </a:r>
             <a:r>
               <a:rPr lang="en-US" altLang="ko-KR" dirty="0"/>
-              <a:t>, </a:t>
+              <a:t> </a:t>
             </a:r>
           </a:p>
           <a:p>
@@ -19572,7 +19543,7 @@
             </a:r>
             <a:r>
               <a:rPr lang="en-US" altLang="ko-KR" dirty="0"/>
-              <a:t>will be allowed to acquire the read lock too.</a:t>
+              <a:t>will be allowed to acquire the read lock too</a:t>
             </a:r>
           </a:p>
           <a:p>
@@ -19587,7 +19558,7 @@
             </a:r>
             <a:r>
               <a:rPr lang="en-US" altLang="ko-KR" dirty="0"/>
-              <a:t> until all readers are finished.</a:t>
+              <a:t> until all readers are finished</a:t>
             </a:r>
             <a:endParaRPr lang="ko-KR" altLang="en-US" dirty="0"/>
           </a:p>
@@ -21904,10 +21875,7 @@
               </a:rPr>
               <a:t>fairness problem</a:t>
             </a:r>
-            <a:r>
-              <a:rPr lang="en-US" altLang="ko-KR" dirty="0"/>
-              <a:t>.</a:t>
-            </a:r>
+            <a:endParaRPr lang="en-US" altLang="ko-KR" dirty="0"/>
           </a:p>
           <a:p>
             <a:pPr lvl="1"/>
@@ -21919,10 +21887,7 @@
               <a:rPr lang="en-US" altLang="ko-KR" b="1" dirty="0"/>
               <a:t>starve writer</a:t>
             </a:r>
-            <a:r>
-              <a:rPr lang="en-US" altLang="ko-KR" dirty="0"/>
-              <a:t>.</a:t>
-            </a:r>
+            <a:endParaRPr lang="en-US" altLang="ko-KR" dirty="0"/>
           </a:p>
           <a:p>
             <a:pPr lvl="1"/>
@@ -22023,7 +21988,7 @@
             </a:r>
             <a:r>
               <a:rPr lang="en-US" altLang="ko-KR" sz="1800" dirty="0"/>
-              <a:t>” sitting around a table.</a:t>
+              <a:t>” sitting around a table</a:t>
             </a:r>
           </a:p>
           <a:p>
@@ -22038,7 +22003,7 @@
             </a:r>
             <a:r>
               <a:rPr lang="en-US" altLang="ko-KR" sz="1600" dirty="0"/>
-              <a:t> (five total).</a:t>
+              <a:t> (five total)</a:t>
             </a:r>
           </a:p>
           <a:p>
@@ -22059,10 +22024,7 @@
               <a:rPr lang="en-US" altLang="ko-KR" sz="1600" b="1" dirty="0"/>
               <a:t>eat</a:t>
             </a:r>
-            <a:r>
-              <a:rPr lang="en-US" altLang="ko-KR" sz="1600" dirty="0"/>
-              <a:t>.</a:t>
-            </a:r>
+            <a:endParaRPr lang="en-US" altLang="ko-KR" sz="1600" dirty="0"/>
           </a:p>
           <a:p>
             <a:pPr lvl="1"/>
@@ -22104,16 +22066,13 @@
               <a:rPr lang="en-US" altLang="ko-KR" sz="1600" i="1" dirty="0"/>
               <a:t>right</a:t>
             </a:r>
-            <a:r>
-              <a:rPr lang="en-US" altLang="ko-KR" sz="1600" dirty="0"/>
-              <a:t>.</a:t>
-            </a:r>
+            <a:endParaRPr lang="en-US" altLang="ko-KR" sz="1600" dirty="0"/>
           </a:p>
           <a:p>
             <a:pPr lvl="1"/>
             <a:r>
               <a:rPr lang="en-US" altLang="ko-KR" sz="1600" b="1" dirty="0"/>
-              <a:t>The contention for these forks.</a:t>
+              <a:t>The contention for these forks</a:t>
             </a:r>
           </a:p>
           <a:p>
@@ -22888,10 +22847,7 @@
               <a:rPr lang="en-US" altLang="ko-KR" b="1" dirty="0"/>
               <a:t>no deadlock</a:t>
             </a:r>
-            <a:r>
-              <a:rPr lang="en-US" altLang="ko-KR" dirty="0"/>
-              <a:t>.</a:t>
-            </a:r>
+            <a:endParaRPr lang="en-US" altLang="ko-KR" dirty="0"/>
           </a:p>
           <a:p>
             <a:pPr lvl="1"/>
@@ -22909,7 +22865,7 @@
             </a:r>
             <a:r>
               <a:rPr lang="en-US" altLang="ko-KR" dirty="0"/>
-              <a:t> and never gets to eat.</a:t>
+              <a:t> and never gets to eat</a:t>
             </a:r>
           </a:p>
           <a:p>
@@ -22920,7 +22876,7 @@
             </a:r>
             <a:r>
               <a:rPr lang="en-US" altLang="ko-KR" dirty="0"/>
-              <a:t> is high.</a:t>
+              <a:t> is high</a:t>
             </a:r>
           </a:p>
           <a:p>
@@ -22969,10 +22925,7 @@
               </a:rPr>
               <a:t>left(p)</a:t>
             </a:r>
-            <a:r>
-              <a:rPr lang="en-US" altLang="ko-KR" dirty="0"/>
-              <a:t>.</a:t>
-            </a:r>
+            <a:endParaRPr lang="en-US" altLang="ko-KR" dirty="0"/>
           </a:p>
           <a:p>
             <a:pPr lvl="2"/>
@@ -23012,10 +22965,7 @@
               </a:rPr>
               <a:t>(p)</a:t>
             </a:r>
-            <a:r>
-              <a:rPr lang="en-US" altLang="ko-KR" dirty="0"/>
-              <a:t>.</a:t>
-            </a:r>
+            <a:endParaRPr lang="en-US" altLang="ko-KR" dirty="0"/>
           </a:p>
           <a:p>
             <a:pPr lvl="1"/>
@@ -23648,10 +23598,7 @@
               </a:rPr>
               <a:t> forks[5]</a:t>
             </a:r>
-            <a:r>
-              <a:rPr lang="en-US" altLang="ko-KR" dirty="0"/>
-              <a:t>.</a:t>
-            </a:r>
+            <a:endParaRPr lang="en-US" altLang="ko-KR" dirty="0"/>
           </a:p>
           <a:p>
             <a:endParaRPr lang="en-US" altLang="ko-KR" dirty="0"/>
@@ -23697,7 +23644,7 @@
             </a:r>
             <a:r>
               <a:rPr lang="en-US" altLang="ko-KR" dirty="0"/>
-              <a:t> before any philosopher can grab the fork on their right.</a:t>
+              <a:t> before any philosopher can grab the fork on their right</a:t>
             </a:r>
           </a:p>
           <a:p>
@@ -23718,10 +23665,7 @@
               <a:rPr lang="en-US" altLang="ko-KR" i="1" dirty="0"/>
               <a:t>forever</a:t>
             </a:r>
-            <a:r>
-              <a:rPr lang="en-US" altLang="ko-KR" dirty="0"/>
-              <a:t>.</a:t>
-            </a:r>
+            <a:endParaRPr lang="en-US" altLang="ko-KR" dirty="0"/>
           </a:p>
           <a:p>
             <a:endParaRPr lang="ko-KR" altLang="en-US" dirty="0"/>
@@ -24249,6 +24193,18 @@
               </a:rPr>
               <a:t>how forks are acquired</a:t>
             </a:r>
+            <a:endParaRPr lang="en-US" altLang="ko-KR" dirty="0"/>
+          </a:p>
+          <a:p>
+            <a:pPr lvl="1"/>
+            <a:r>
+              <a:rPr lang="en-US" altLang="ko-KR" dirty="0"/>
+              <a:t>Let’s assume that philosopher 4 acquire the forks in a </a:t>
+            </a:r>
+            <a:r>
+              <a:rPr lang="en-US" altLang="ko-KR" i="1" dirty="0"/>
+              <a:t>different order</a:t>
+            </a:r>
             <a:r>
               <a:rPr lang="en-US" altLang="ko-KR" dirty="0"/>
               <a:t>.</a:t>
@@ -24256,18 +24212,7 @@
           </a:p>
           <a:p>
             <a:pPr lvl="1"/>
-            <a:r>
-              <a:rPr lang="en-US" altLang="ko-KR" dirty="0"/>
-              <a:t>Let’s assume that philosopher 4 acquire the forks in a </a:t>
-            </a:r>
-            <a:r>
-              <a:rPr lang="en-US" altLang="ko-KR" i="1" dirty="0"/>
-              <a:t>different order</a:t>
-            </a:r>
-            <a:r>
-              <a:rPr lang="en-US" altLang="ko-KR" dirty="0"/>
-              <a:t>.</a:t>
-            </a:r>
+            <a:endParaRPr lang="en-US" altLang="ko-KR" dirty="0"/>
           </a:p>
           <a:p>
             <a:pPr lvl="1"/>
@@ -24286,23 +24231,23 @@
             <a:endParaRPr lang="en-US" altLang="ko-KR" dirty="0"/>
           </a:p>
           <a:p>
-            <a:pPr lvl="1"/>
-            <a:endParaRPr lang="en-US" altLang="ko-KR" dirty="0"/>
-          </a:p>
-          <a:p>
             <a:pPr lvl="2"/>
             <a:r>
               <a:rPr lang="en-US" altLang="ko-KR" dirty="0"/>
-              <a:t>There is no situation where each philosopher grabs one fork and is stuck waiting for another. </a:t>
+              <a:t>There is no situation where each philosopher grabs one fork and is stuck waiting for another</a:t>
+            </a:r>
+          </a:p>
+          <a:p>
+            <a:pPr lvl="3"/>
+            <a:r>
+              <a:rPr lang="en-US" altLang="ko-KR" dirty="0"/>
+              <a:t> </a:t>
             </a:r>
             <a:r>
               <a:rPr lang="en-US" altLang="ko-KR" b="1" dirty="0"/>
               <a:t>The cycle of waiting is broken</a:t>
             </a:r>
-            <a:r>
-              <a:rPr lang="en-US" altLang="ko-KR" dirty="0"/>
-              <a:t>.</a:t>
-            </a:r>
+            <a:endParaRPr lang="en-US" altLang="ko-KR" dirty="0"/>
           </a:p>
           <a:p>
             <a:pPr lvl="2"/>
@@ -25838,7 +25783,7 @@
             </a:r>
             <a:r>
               <a:rPr lang="en-US" altLang="ko-KR" dirty="0"/>
-              <a:t>the semaphore.</a:t>
+              <a:t>the semaphore</a:t>
             </a:r>
           </a:p>
           <a:p>
@@ -25851,10 +25796,7 @@
               <a:rPr lang="en-US" altLang="ko-KR" u="sng" dirty="0"/>
               <a:t>never be lower than zero</a:t>
             </a:r>
-            <a:r>
-              <a:rPr lang="en-US" altLang="ko-KR" dirty="0"/>
-              <a:t>.</a:t>
-            </a:r>
+            <a:endParaRPr lang="en-US" altLang="ko-KR" dirty="0"/>
           </a:p>
           <a:p>
             <a:pPr lvl="2"/>
@@ -25876,7 +25818,7 @@
             </a:r>
             <a:r>
               <a:rPr lang="en-US" altLang="ko-KR" dirty="0"/>
-              <a:t> the current Linux implementation.</a:t>
+              <a:t> the current Linux implementation</a:t>
             </a:r>
             <a:endParaRPr lang="ko-KR" altLang="en-US" dirty="0"/>
           </a:p>
@@ -26350,10 +26292,7 @@
               </a:rPr>
               <a:t>()</a:t>
             </a:r>
-            <a:r>
-              <a:rPr lang="en-US" altLang="ko-KR" dirty="0"/>
-              <a:t>.</a:t>
-            </a:r>
+            <a:endParaRPr lang="en-US" altLang="ko-KR" dirty="0"/>
           </a:p>
           <a:p>
             <a:pPr lvl="1"/>
@@ -26406,10 +26345,7 @@
               <a:rPr lang="en-US" altLang="ko-KR" i="1" dirty="0"/>
               <a:t>threads in the same process</a:t>
             </a:r>
-            <a:r>
-              <a:rPr lang="en-US" altLang="ko-KR" dirty="0"/>
-              <a:t>.</a:t>
-            </a:r>
+            <a:endParaRPr lang="en-US" altLang="ko-KR" dirty="0"/>
           </a:p>
           <a:p>
             <a:endParaRPr lang="ko-KR" altLang="en-US" dirty="0"/>
@@ -26692,10 +26628,7 @@
               <a:rPr lang="en-US" altLang="ko-KR" b="1" dirty="0"/>
               <a:t>return right away</a:t>
             </a:r>
-            <a:r>
-              <a:rPr lang="en-US" altLang="ko-KR" dirty="0"/>
-              <a:t>.</a:t>
-            </a:r>
+            <a:endParaRPr lang="en-US" altLang="ko-KR" dirty="0"/>
           </a:p>
           <a:p>
             <a:pPr lvl="1"/>
@@ -26709,14 +26642,14 @@
             </a:r>
             <a:r>
               <a:rPr lang="en-US" altLang="ko-KR" dirty="0"/>
-              <a:t> waiting for a subsequent post.</a:t>
+              <a:t> waiting for a subsequent post</a:t>
             </a:r>
           </a:p>
           <a:p>
             <a:pPr lvl="1"/>
             <a:r>
               <a:rPr lang="en-US" altLang="ko-KR" dirty="0"/>
-              <a:t>When negative, the value of the semaphore is equal to the number of waiting threads.</a:t>
+              <a:t>When negative, the value of the semaphore is equal to the number of waiting threads</a:t>
             </a:r>
           </a:p>
           <a:p>
@@ -26995,7 +26928,7 @@
             </a:r>
             <a:r>
               <a:rPr lang="en-US" altLang="ko-KR" dirty="0"/>
-              <a:t> the value of the semaphore.</a:t>
+              <a:t> the value of the semaphore</a:t>
             </a:r>
           </a:p>
           <a:p>
@@ -27010,7 +26943,7 @@
             </a:r>
             <a:r>
               <a:rPr lang="en-US" altLang="ko-KR" dirty="0"/>
-              <a:t>one of them up.</a:t>
+              <a:t>one of them up</a:t>
             </a:r>
           </a:p>
           <a:p>
@@ -27279,10 +27212,6 @@
             <a:r>
               <a:rPr lang="en-US" altLang="ko-KR" b="1" dirty="0"/>
               <a:t>1</a:t>
-            </a:r>
-            <a:r>
-              <a:rPr lang="en-US" altLang="ko-KR" dirty="0"/>
-              <a:t>.</a:t>
             </a:r>
             <a:endParaRPr lang="ko-KR" altLang="en-US" dirty="0"/>
           </a:p>

--- a/cmsc125/ostep/slides/02.Concurrency/31.Semaphore.pptx
+++ b/cmsc125/ostep/slides/02.Concurrency/31.Semaphore.pptx
@@ -5,7 +5,7 @@
     <p:sldMasterId id="2147483670" r:id="rId1"/>
   </p:sldMasterIdLst>
   <p:notesMasterIdLst>
-    <p:notesMasterId r:id="rId33"/>
+    <p:notesMasterId r:id="rId34"/>
   </p:notesMasterIdLst>
   <p:sldIdLst>
     <p:sldId id="298" r:id="rId2"/>
@@ -37,8 +37,9 @@
     <p:sldId id="293" r:id="rId28"/>
     <p:sldId id="294" r:id="rId29"/>
     <p:sldId id="295" r:id="rId30"/>
-    <p:sldId id="296" r:id="rId31"/>
-    <p:sldId id="297" r:id="rId32"/>
+    <p:sldId id="301" r:id="rId31"/>
+    <p:sldId id="296" r:id="rId32"/>
+    <p:sldId id="297" r:id="rId33"/>
   </p:sldIdLst>
   <p:sldSz cx="12192000" cy="6858000"/>
   <p:notesSz cx="6797675" cy="9928225"/>
@@ -268,7 +269,7 @@
           <a:p>
             <a:fld id="{050F0499-AE52-4672-879B-3107B2FC2A9F}" type="datetimeFigureOut">
               <a:rPr lang="ko-KR" altLang="en-US" smtClean="0"/>
-              <a:t>2021-12-24</a:t>
+              <a:t>2021-12-28</a:t>
             </a:fld>
             <a:endParaRPr lang="ko-KR" altLang="en-US"/>
           </a:p>
@@ -14855,10 +14856,7 @@
               <a:rPr lang="en-US" altLang="ko-KR" i="1" dirty="0"/>
               <a:t>f1</a:t>
             </a:r>
-            <a:r>
-              <a:rPr lang="en-US" altLang="ko-KR" dirty="0"/>
-              <a:t>.</a:t>
-            </a:r>
+            <a:endParaRPr lang="en-US" altLang="ko-KR" dirty="0"/>
           </a:p>
           <a:p>
             <a:pPr lvl="2"/>
@@ -22910,7 +22908,7 @@
             </a:r>
             <a:r>
               <a:rPr lang="en-US" altLang="ko-KR" dirty="0"/>
-              <a:t> wishes to refer to the for on their left </a:t>
+              <a:t> wishes to refer to the fork on their left </a:t>
             </a:r>
             <a:r>
               <a:rPr lang="en-US" altLang="ko-KR" dirty="0">
@@ -22942,7 +22940,7 @@
             </a:r>
             <a:r>
               <a:rPr lang="en-US" altLang="ko-KR" dirty="0"/>
-              <a:t> wishes to refer to the for on their right </a:t>
+              <a:t> wishes to refer to the fork on their right </a:t>
             </a:r>
             <a:r>
               <a:rPr lang="en-US" altLang="ko-KR" dirty="0">
@@ -24758,6 +24756,119 @@
       </p:grpSpPr>
       <p:sp>
         <p:nvSpPr>
+          <p:cNvPr id="3" name="Title 2">
+            <a:extLst>
+              <a:ext uri="{FF2B5EF4-FFF2-40B4-BE49-F238E27FC236}">
+                <a16:creationId xmlns:a16="http://schemas.microsoft.com/office/drawing/2014/main" id="{BC8ACB94-2D06-4800-9DEC-B89986699E66}"/>
+              </a:ext>
+            </a:extLst>
+          </p:cNvPr>
+          <p:cNvSpPr>
+            <a:spLocks noGrp="1"/>
+          </p:cNvSpPr>
+          <p:nvPr>
+            <p:ph type="title"/>
+          </p:nvPr>
+        </p:nvSpPr>
+        <p:spPr/>
+        <p:txBody>
+          <a:bodyPr/>
+          <a:lstStyle/>
+          <a:p>
+            <a:r>
+              <a:rPr lang="en-US" dirty="0"/>
+              <a:t>Thread Throttling</a:t>
+            </a:r>
+            <a:endParaRPr lang="en-PH" dirty="0"/>
+          </a:p>
+        </p:txBody>
+      </p:sp>
+      <p:sp>
+        <p:nvSpPr>
+          <p:cNvPr id="4" name="Content Placeholder 3">
+            <a:extLst>
+              <a:ext uri="{FF2B5EF4-FFF2-40B4-BE49-F238E27FC236}">
+                <a16:creationId xmlns:a16="http://schemas.microsoft.com/office/drawing/2014/main" id="{F9F1101D-A3F7-4355-9DF5-1FCA06F9D48B}"/>
+              </a:ext>
+            </a:extLst>
+          </p:cNvPr>
+          <p:cNvSpPr>
+            <a:spLocks noGrp="1"/>
+          </p:cNvSpPr>
+          <p:nvPr>
+            <p:ph idx="1"/>
+          </p:nvPr>
+        </p:nvSpPr>
+        <p:spPr/>
+        <p:txBody>
+          <a:bodyPr/>
+          <a:lstStyle/>
+          <a:p>
+            <a:r>
+              <a:rPr lang="en-US" dirty="0"/>
+              <a:t>How can a programmer prevent “too many” threads from doing something at once?</a:t>
+            </a:r>
+          </a:p>
+          <a:p>
+            <a:r>
+              <a:rPr lang="en-US" dirty="0"/>
+              <a:t>Solution: </a:t>
+            </a:r>
+          </a:p>
+          <a:p>
+            <a:pPr lvl="1"/>
+            <a:r>
+              <a:rPr lang="en-US" dirty="0"/>
+              <a:t>Define on a threshold on the number of threads that can concurrently execute on the code that can bog down the system</a:t>
+            </a:r>
+          </a:p>
+          <a:p>
+            <a:pPr lvl="1"/>
+            <a:r>
+              <a:rPr lang="en-US" dirty="0"/>
+              <a:t>Use this threshold value for a semaphore</a:t>
+            </a:r>
+          </a:p>
+          <a:p>
+            <a:endParaRPr lang="en-PH" dirty="0"/>
+          </a:p>
+        </p:txBody>
+      </p:sp>
+    </p:spTree>
+    <p:extLst>
+      <p:ext uri="{BB962C8B-B14F-4D97-AF65-F5344CB8AC3E}">
+        <p14:creationId xmlns:p14="http://schemas.microsoft.com/office/powerpoint/2010/main" val="1462677579"/>
+      </p:ext>
+    </p:extLst>
+  </p:cSld>
+  <p:clrMapOvr>
+    <a:masterClrMapping/>
+  </p:clrMapOvr>
+  <p:transition>
+    <p:zoom/>
+  </p:transition>
+</p:sld>
+</file>
+
+<file path=ppt/slides/slide31.xml><?xml version="1.0" encoding="utf-8"?>
+<p:sld xmlns:a="http://schemas.openxmlformats.org/drawingml/2006/main" xmlns:r="http://schemas.openxmlformats.org/officeDocument/2006/relationships" xmlns:p="http://schemas.openxmlformats.org/presentationml/2006/main">
+  <p:cSld>
+    <p:spTree>
+      <p:nvGrpSpPr>
+        <p:cNvPr id="1" name=""/>
+        <p:cNvGrpSpPr/>
+        <p:nvPr/>
+      </p:nvGrpSpPr>
+      <p:grpSpPr>
+        <a:xfrm>
+          <a:off x="0" y="0"/>
+          <a:ext cx="0" cy="0"/>
+          <a:chOff x="0" y="0"/>
+          <a:chExt cx="0" cy="0"/>
+        </a:xfrm>
+      </p:grpSpPr>
+      <p:sp>
+        <p:nvSpPr>
           <p:cNvPr id="2" name="제목 1"/>
           <p:cNvSpPr>
             <a:spLocks noGrp="1"/>
@@ -25686,7 +25797,7 @@
 </p:sld>
 </file>
 
-<file path=ppt/slides/slide31.xml><?xml version="1.0" encoding="utf-8"?>
+<file path=ppt/slides/slide32.xml><?xml version="1.0" encoding="utf-8"?>
 <p:sld xmlns:a="http://schemas.openxmlformats.org/drawingml/2006/main" xmlns:r="http://schemas.openxmlformats.org/officeDocument/2006/relationships" xmlns:p="http://schemas.openxmlformats.org/presentationml/2006/main">
   <p:cSld>
     <p:spTree>
@@ -27519,6 +27630,11 @@
           </p:cNvGraphicFramePr>
           <p:nvPr>
             <p:ph idx="1"/>
+            <p:extLst>
+              <p:ext uri="{D42A27DB-BD31-4B8C-83A1-F6EECF244321}">
+                <p14:modId xmlns:p14="http://schemas.microsoft.com/office/powerpoint/2010/main" val="2326552352"/>
+              </p:ext>
+            </p:extLst>
           </p:nvPr>
         </p:nvGraphicFramePr>
         <p:xfrm>
@@ -27871,7 +27987,7 @@
                           <a:latin typeface="Courier New" panose="02070309020205020404" pitchFamily="49" charset="0"/>
                           <a:cs typeface="Courier New" panose="02070309020205020404" pitchFamily="49" charset="0"/>
                         </a:rPr>
-                        <a:t>sema_wait</a:t>
+                        <a:t>sem_wait</a:t>
                       </a:r>
                       <a:r>
                         <a:rPr lang="en-US" altLang="ko-KR" sz="1600" baseline="0" dirty="0">
